--- a/020_RPA技術実施/第４回目：高度なUiPath機能（２）/第４回目：高度なUiPath機能（２）.pptx
+++ b/020_RPA技術実施/第４回目：高度なUiPath機能（２）/第４回目：高度なUiPath機能（２）.pptx
@@ -8501,13 +8501,6 @@
               </a:rPr>
               <a:t>https://marketplace.uipath.com/ja/listings/datatable-to-json-string</a:t>
             </a:r>
-            <a:endParaRPr lang="en-US" altLang="ja-JP" sz="2400" dirty="0">
-              <a:solidFill>
-                <a:schemeClr val="tx1"/>
-              </a:solidFill>
-              <a:latin typeface="Meiryo UI" panose="020B0604030504040204" pitchFamily="50" charset="-128"/>
-              <a:ea typeface="Meiryo UI" panose="020B0604030504040204" pitchFamily="50" charset="-128"/>
-            </a:endParaRPr>
           </a:p>
         </p:txBody>
       </p:sp>
@@ -8711,7 +8704,27 @@
                 <a:latin typeface="Meiryo UI" panose="020B0604030504040204" pitchFamily="50" charset="-128"/>
                 <a:ea typeface="Meiryo UI" panose="020B0604030504040204" pitchFamily="50" charset="-128"/>
               </a:rPr>
-              <a:t>以前紹介したサブワークフロー化のメリットをライブラリにもすべてある</a:t>
+              <a:t>以前紹介したサブワークフロー</a:t>
+            </a:r>
+            <a:r>
+              <a:rPr lang="ja-JP" altLang="en-US" sz="1400" smtClean="0">
+                <a:solidFill>
+                  <a:schemeClr val="tx1"/>
+                </a:solidFill>
+                <a:latin typeface="Meiryo UI" panose="020B0604030504040204" pitchFamily="50" charset="-128"/>
+                <a:ea typeface="Meiryo UI" panose="020B0604030504040204" pitchFamily="50" charset="-128"/>
+              </a:rPr>
+              <a:t>化</a:t>
+            </a:r>
+            <a:r>
+              <a:rPr lang="ja-JP" altLang="en-US" sz="1400" smtClean="0">
+                <a:solidFill>
+                  <a:schemeClr val="tx1"/>
+                </a:solidFill>
+                <a:latin typeface="Meiryo UI" panose="020B0604030504040204" pitchFamily="50" charset="-128"/>
+                <a:ea typeface="Meiryo UI" panose="020B0604030504040204" pitchFamily="50" charset="-128"/>
+              </a:rPr>
+              <a:t>のメリットがライブラリにもすべてある</a:t>
             </a:r>
             <a:endParaRPr lang="ja-JP" altLang="en-US" sz="1400" dirty="0">
               <a:solidFill>
@@ -15162,11 +15175,7 @@
             </a:pPr>
             <a:r>
               <a:rPr kumimoji="1" lang="ja-JP" altLang="en-US" dirty="0" smtClean="0"/>
-              <a:t>第５回目</a:t>
-            </a:r>
-            <a:r>
-              <a:rPr kumimoji="1" lang="ja-JP" altLang="en-US" dirty="0" smtClean="0"/>
-              <a:t>：高度な</a:t>
+              <a:t>第５回目：高度な</a:t>
             </a:r>
             <a:r>
               <a:rPr kumimoji="1" lang="en-US" altLang="ja-JP" dirty="0" err="1" smtClean="0"/>
@@ -15174,11 +15183,7 @@
             </a:r>
             <a:r>
               <a:rPr kumimoji="1" lang="ja-JP" altLang="en-US" dirty="0" smtClean="0"/>
-              <a:t>機能</a:t>
-            </a:r>
-            <a:r>
-              <a:rPr kumimoji="1" lang="ja-JP" altLang="en-US" dirty="0" smtClean="0"/>
-              <a:t>（３）（</a:t>
+              <a:t>機能（３）（</a:t>
             </a:r>
             <a:r>
               <a:rPr kumimoji="1" lang="en-US" altLang="ja-JP" dirty="0" smtClean="0">
@@ -15194,15 +15199,7 @@
                   <a:srgbClr val="FF0000"/>
                 </a:solidFill>
               </a:rPr>
-              <a:t>（</a:t>
-            </a:r>
-            <a:r>
-              <a:rPr kumimoji="1" lang="ja-JP" altLang="en-US" dirty="0" smtClean="0">
-                <a:solidFill>
-                  <a:srgbClr val="FF0000"/>
-                </a:solidFill>
-              </a:rPr>
-              <a:t>木）</a:t>
+              <a:t>（木）</a:t>
             </a:r>
             <a:r>
               <a:rPr kumimoji="1" lang="en-US" altLang="ja-JP" dirty="0" smtClean="0">
@@ -16975,11 +16972,7 @@
           <a:p>
             <a:r>
               <a:rPr kumimoji="1" lang="en-US" altLang="ja-JP" dirty="0" smtClean="0"/>
-              <a:t>C</a:t>
-            </a:r>
-            <a:r>
-              <a:rPr kumimoji="1" lang="en-US" altLang="ja-JP" dirty="0" smtClean="0"/>
-              <a:t>#</a:t>
+              <a:t>C#</a:t>
             </a:r>
             <a:r>
               <a:rPr kumimoji="1" lang="ja-JP" altLang="en-US" dirty="0" smtClean="0"/>
@@ -17458,11 +17451,7 @@
             </a:r>
             <a:r>
               <a:rPr kumimoji="1" lang="ja-JP" altLang="en-US" dirty="0" smtClean="0"/>
-              <a:t>で</a:t>
-            </a:r>
-            <a:r>
-              <a:rPr kumimoji="1" lang="ja-JP" altLang="en-US" dirty="0" smtClean="0"/>
-              <a:t>実現）</a:t>
+              <a:t>で実現）</a:t>
             </a:r>
             <a:endParaRPr kumimoji="1" lang="en-US" altLang="ja-JP" dirty="0" smtClean="0"/>
           </a:p>
